--- a/docs/Amstelhaege.pptx
+++ b/docs/Amstelhaege.pptx
@@ -4552,13 +4552,8 @@
             </a:pPr>
             <a:r>
               <a:rPr lang="de-DE" dirty="0" smtClean="0"/>
-              <a:t>kies willekeurige </a:t>
-            </a:r>
-            <a:r>
-              <a:rPr lang="de-DE" dirty="0" smtClean="0"/>
-              <a:t>positie (dichtbij oude positie)</a:t>
-            </a:r>
-            <a:endParaRPr lang="de-DE" dirty="0" smtClean="0"/>
+              <a:t>kies willekeurige positie (dichtbij oude positie)</a:t>
+            </a:r>
           </a:p>
           <a:p>
             <a:pPr marL="285750" indent="-285750">
@@ -4853,7 +4848,7 @@
         <p:spPr>
           <a:xfrm>
             <a:off x="5076056" y="2628591"/>
-            <a:ext cx="3240360" cy="1477328"/>
+            <a:ext cx="3240360" cy="2862322"/>
           </a:xfrm>
           <a:prstGeom prst="rect">
             <a:avLst/>
@@ -4868,11 +4863,7 @@
           <a:p>
             <a:r>
               <a:rPr lang="de-DE" dirty="0" smtClean="0"/>
-              <a:t>Simulated Annealing Algoritme</a:t>
-            </a:r>
-            <a:r>
-              <a:rPr lang="de-DE" dirty="0" smtClean="0"/>
-              <a:t>:</a:t>
+              <a:t>Simulated Annealing Algoritme:</a:t>
             </a:r>
           </a:p>
           <a:p>
@@ -4883,7 +4874,11 @@
             </a:pPr>
             <a:r>
               <a:rPr lang="de-DE" dirty="0" smtClean="0"/>
-              <a:t>kies willekeurig huis</a:t>
+              <a:t>kies willekeurig </a:t>
+            </a:r>
+            <a:r>
+              <a:rPr lang="de-DE" dirty="0" smtClean="0"/>
+              <a:t>huis</a:t>
             </a:r>
           </a:p>
           <a:p>
@@ -4902,6 +4897,50 @@
             </a:pPr>
             <a:r>
               <a:rPr lang="de-DE" dirty="0" smtClean="0"/>
+              <a:t>hillClimber met kans op </a:t>
+            </a:r>
+            <a:r>
+              <a:rPr lang="de-DE" dirty="0" smtClean="0">
+                <a:solidFill>
+                  <a:srgbClr val="FF0000"/>
+                </a:solidFill>
+              </a:rPr>
+              <a:t>negative waarde verandering </a:t>
+            </a:r>
+            <a:r>
+              <a:rPr lang="de-DE" dirty="0" smtClean="0"/>
+              <a:t>+ </a:t>
+            </a:r>
+            <a:r>
+              <a:rPr lang="de-DE" dirty="0" smtClean="0">
+                <a:solidFill>
+                  <a:srgbClr val="FF0000"/>
+                </a:solidFill>
+              </a:rPr>
+              <a:t>positie verandering afhankelijk van temperatuur</a:t>
+            </a:r>
+            <a:endParaRPr lang="de-DE" dirty="0" smtClean="0">
+              <a:solidFill>
+                <a:srgbClr val="FF0000"/>
+              </a:solidFill>
+            </a:endParaRPr>
+          </a:p>
+          <a:p>
+            <a:pPr marL="285750" indent="-285750">
+              <a:buSzPct val="50000"/>
+              <a:buFont typeface="Courier New" pitchFamily="49" charset="0"/>
+              <a:buChar char="o"/>
+            </a:pPr>
+            <a:endParaRPr lang="de-DE" dirty="0"/>
+          </a:p>
+          <a:p>
+            <a:pPr marL="285750" indent="-285750">
+              <a:buSzPct val="50000"/>
+              <a:buFont typeface="Courier New" pitchFamily="49" charset="0"/>
+              <a:buChar char="o"/>
+            </a:pPr>
+            <a:r>
+              <a:rPr lang="de-DE" dirty="0" smtClean="0"/>
               <a:t>herhalen</a:t>
             </a:r>
           </a:p>
@@ -4918,8 +4957,8 @@
         </p:nvSpPr>
         <p:spPr>
           <a:xfrm>
-            <a:off x="2339752" y="5085184"/>
-            <a:ext cx="3240360" cy="646331"/>
+            <a:off x="411492" y="4936915"/>
+            <a:ext cx="4137080" cy="1754326"/>
           </a:xfrm>
           <a:prstGeom prst="rect">
             <a:avLst/>
@@ -4934,7 +4973,33 @@
           <a:p>
             <a:r>
               <a:rPr lang="de-DE" dirty="0" smtClean="0"/>
-              <a:t>Temperatur:</a:t>
+              <a:t>Temperatuur:</a:t>
+            </a:r>
+          </a:p>
+          <a:p>
+            <a:endParaRPr lang="de-DE" dirty="0"/>
+          </a:p>
+          <a:p>
+            <a:r>
+              <a:rPr lang="de-DE" dirty="0" smtClean="0"/>
+              <a:t>e^(value_change</a:t>
+            </a:r>
+            <a:r>
+              <a:rPr lang="de-DE" dirty="0"/>
+              <a:t>/(100-temperature/100</a:t>
+            </a:r>
+            <a:r>
+              <a:rPr lang="de-DE" dirty="0" smtClean="0"/>
+              <a:t>))</a:t>
+            </a:r>
+          </a:p>
+          <a:p>
+            <a:endParaRPr lang="de-DE" dirty="0"/>
+          </a:p>
+          <a:p>
+            <a:r>
+              <a:rPr lang="de-DE" dirty="0" smtClean="0"/>
+              <a:t>Start waarde: aantal updates (bv 3000)</a:t>
             </a:r>
             <a:endParaRPr lang="de-DE" dirty="0" smtClean="0"/>
           </a:p>
@@ -5070,11 +5135,7 @@
           <a:p>
             <a:r>
               <a:rPr lang="de-DE" sz="2000" dirty="0" smtClean="0"/>
-              <a:t>Class House: vrijstand </a:t>
-            </a:r>
-            <a:r>
-              <a:rPr lang="de-DE" sz="2000" dirty="0" smtClean="0"/>
-              <a:t>berekenen </a:t>
+              <a:t>Class House: vrijstand berekenen </a:t>
             </a:r>
             <a:r>
               <a:rPr lang="de-DE" sz="2000" dirty="0" smtClean="0">
@@ -5249,11 +5310,7 @@
           <a:p>
             <a:r>
               <a:rPr lang="de-DE" sz="2000" dirty="0" smtClean="0"/>
-              <a:t>Class House: vrijstand </a:t>
-            </a:r>
-            <a:r>
-              <a:rPr lang="de-DE" sz="2000" dirty="0" smtClean="0"/>
-              <a:t>berekenen </a:t>
+              <a:t>Class House: vrijstand berekenen </a:t>
             </a:r>
             <a:r>
               <a:rPr lang="de-DE" sz="2000" dirty="0" smtClean="0">
@@ -5545,8 +5602,8 @@
         </p:nvSpPr>
         <p:spPr>
           <a:xfrm>
-            <a:off x="296652" y="2276872"/>
-            <a:ext cx="8550696" cy="707886"/>
+            <a:off x="309430" y="1772816"/>
+            <a:ext cx="8550696" cy="400110"/>
           </a:xfrm>
           <a:prstGeom prst="rect">
             <a:avLst/>
@@ -5561,12 +5618,13 @@
           <a:p>
             <a:r>
               <a:rPr lang="de-DE" sz="2000" dirty="0" smtClean="0"/>
-              <a:t>Extra Land representatie als „grid“</a:t>
+              <a:t>Extra Land representatie als „</a:t>
+            </a:r>
+            <a:r>
+              <a:rPr lang="de-DE" sz="2000" dirty="0" smtClean="0"/>
+              <a:t>grid“</a:t>
             </a:r>
             <a:endParaRPr lang="de-DE" sz="2000" dirty="0" smtClean="0"/>
-          </a:p>
-          <a:p>
-            <a:endParaRPr lang="de-DE" sz="2000" dirty="0"/>
           </a:p>
         </p:txBody>
       </p:sp>
@@ -5601,6 +5659,36 @@
           </a:p>
         </p:txBody>
       </p:sp>
+      <p:pic>
+        <p:nvPicPr>
+          <p:cNvPr id="5" name="Picture 4"/>
+          <p:cNvPicPr>
+            <a:picLocks noChangeAspect="1"/>
+          </p:cNvPicPr>
+          <p:nvPr/>
+        </p:nvPicPr>
+        <p:blipFill>
+          <a:blip r:embed="rId2">
+            <a:extLst>
+              <a:ext uri="{28A0092B-C50C-407E-A947-70E740481C1C}">
+                <a14:useLocalDpi xmlns:a14="http://schemas.microsoft.com/office/drawing/2010/main" val="0"/>
+              </a:ext>
+            </a:extLst>
+          </a:blip>
+          <a:stretch>
+            <a:fillRect/>
+          </a:stretch>
+        </p:blipFill>
+        <p:spPr>
+          <a:xfrm>
+            <a:off x="1490750" y="2492896"/>
+            <a:ext cx="6162500" cy="3596035"/>
+          </a:xfrm>
+          <a:prstGeom prst="rect">
+            <a:avLst/>
+          </a:prstGeom>
+        </p:spPr>
+      </p:pic>
     </p:spTree>
     <p:extLst>
       <p:ext uri="{BB962C8B-B14F-4D97-AF65-F5344CB8AC3E}">
@@ -5715,7 +5803,15 @@
           <a:p>
             <a:r>
               <a:rPr lang="de-DE" sz="2000" dirty="0" smtClean="0"/>
-              <a:t>Verschillende parameters testen en beste kiezen</a:t>
+              <a:t>Verschillende </a:t>
+            </a:r>
+            <a:r>
+              <a:rPr lang="de-DE" sz="2000" dirty="0" smtClean="0"/>
+              <a:t>parameters (bv temperatuur) </a:t>
+            </a:r>
+            <a:r>
+              <a:rPr lang="de-DE" sz="2000" dirty="0" smtClean="0"/>
+              <a:t>testen en beste kiezen</a:t>
             </a:r>
           </a:p>
           <a:p>
@@ -7242,15 +7338,7 @@
                   <a:srgbClr val="FF0000"/>
                 </a:solidFill>
               </a:rPr>
-              <a:t>is </a:t>
-            </a:r>
-            <a:r>
-              <a:rPr lang="de-DE" sz="2000" dirty="0" smtClean="0">
-                <a:solidFill>
-                  <a:srgbClr val="FF0000"/>
-                </a:solidFill>
-              </a:rPr>
-              <a:t>nauwelijks sneller bij 20 huizen variant</a:t>
+              <a:t>is nauwelijks sneller bij 20 huizen variant</a:t>
             </a:r>
           </a:p>
           <a:p>

--- a/docs/Amstelhaege.pptx
+++ b/docs/Amstelhaege.pptx
@@ -18,13 +18,13 @@
     <p:sldId id="279" r:id="rId12"/>
     <p:sldId id="280" r:id="rId13"/>
     <p:sldId id="281" r:id="rId14"/>
-    <p:sldId id="267" r:id="rId15"/>
-    <p:sldId id="282" r:id="rId16"/>
-    <p:sldId id="263" r:id="rId17"/>
-    <p:sldId id="283" r:id="rId18"/>
-    <p:sldId id="285" r:id="rId19"/>
-    <p:sldId id="286" r:id="rId20"/>
-    <p:sldId id="264" r:id="rId21"/>
+    <p:sldId id="263" r:id="rId15"/>
+    <p:sldId id="267" r:id="rId16"/>
+    <p:sldId id="283" r:id="rId17"/>
+    <p:sldId id="282" r:id="rId18"/>
+    <p:sldId id="264" r:id="rId19"/>
+    <p:sldId id="285" r:id="rId20"/>
+    <p:sldId id="286" r:id="rId21"/>
     <p:sldId id="284" r:id="rId22"/>
     <p:sldId id="265" r:id="rId23"/>
   </p:sldIdLst>
@@ -4115,7 +4115,7 @@
         <p:spPr>
           <a:xfrm>
             <a:off x="269776" y="1700808"/>
-            <a:ext cx="7254552" cy="461665"/>
+            <a:ext cx="8550696" cy="707886"/>
           </a:xfrm>
           <a:prstGeom prst="rect">
             <a:avLst/>
@@ -4129,8 +4129,8 @@
           <a:lstStyle/>
           <a:p>
             <a:r>
-              <a:rPr lang="de-DE" sz="2400" dirty="0" smtClean="0"/>
-              <a:t>Prestatie plots (voorbeeld hillclimber)</a:t>
+              <a:rPr lang="de-DE" sz="2000" dirty="0" smtClean="0"/>
+              <a:t>Def simulation verdeeld de huizen op het land en verschuivt de locatie van de huizen naar „betere“ posities.</a:t>
             </a:r>
           </a:p>
         </p:txBody>
@@ -4160,54 +4160,122 @@
             <a:pPr algn="ctr"/>
             <a:r>
               <a:rPr lang="de-DE" sz="3600" dirty="0" smtClean="0"/>
-              <a:t>Functie </a:t>
-            </a:r>
-            <a:r>
-              <a:rPr lang="de-DE" sz="3600" dirty="0"/>
-              <a:t>P</a:t>
-            </a:r>
-            <a:r>
-              <a:rPr lang="de-DE" sz="3600" dirty="0" smtClean="0"/>
-              <a:t>erformancePlots</a:t>
+              <a:t>Function Simulation</a:t>
             </a:r>
             <a:endParaRPr lang="de-DE" sz="3600" dirty="0"/>
           </a:p>
         </p:txBody>
       </p:sp>
-      <p:pic>
-        <p:nvPicPr>
-          <p:cNvPr id="5" name="Picture 4"/>
-          <p:cNvPicPr>
-            <a:picLocks noChangeAspect="1"/>
-          </p:cNvPicPr>
+      <p:sp>
+        <p:nvSpPr>
+          <p:cNvPr id="7" name="TextBox 6"/>
+          <p:cNvSpPr txBox="1"/>
           <p:nvPr/>
-        </p:nvPicPr>
-        <p:blipFill>
-          <a:blip r:embed="rId2">
-            <a:extLst>
-              <a:ext uri="{28A0092B-C50C-407E-A947-70E740481C1C}">
-                <a14:useLocalDpi xmlns:a14="http://schemas.microsoft.com/office/drawing/2010/main" val="0"/>
-              </a:ext>
-            </a:extLst>
-          </a:blip>
-          <a:stretch>
-            <a:fillRect/>
-          </a:stretch>
-        </p:blipFill>
-        <p:spPr>
-          <a:xfrm>
-            <a:off x="1187624" y="2348880"/>
-            <a:ext cx="6696744" cy="4070451"/>
+        </p:nvSpPr>
+        <p:spPr>
+          <a:xfrm>
+            <a:off x="2924944" y="2628592"/>
+            <a:ext cx="3240360" cy="3970318"/>
           </a:xfrm>
           <a:prstGeom prst="rect">
             <a:avLst/>
           </a:prstGeom>
-        </p:spPr>
-      </p:pic>
+          <a:noFill/>
+        </p:spPr>
+        <p:txBody>
+          <a:bodyPr wrap="square" rtlCol="0">
+            <a:spAutoFit/>
+          </a:bodyPr>
+          <a:lstStyle/>
+          <a:p>
+            <a:r>
+              <a:rPr lang="de-DE" dirty="0" smtClean="0"/>
+              <a:t>Hill Climber Algoritme:</a:t>
+            </a:r>
+          </a:p>
+          <a:p>
+            <a:pPr marL="285750" indent="-285750">
+              <a:buSzPct val="50000"/>
+              <a:buFont typeface="Courier New" pitchFamily="49" charset="0"/>
+              <a:buChar char="o"/>
+            </a:pPr>
+            <a:r>
+              <a:rPr lang="de-DE" dirty="0" smtClean="0"/>
+              <a:t>kies willekeurig huis</a:t>
+            </a:r>
+          </a:p>
+          <a:p>
+            <a:pPr marL="285750" indent="-285750">
+              <a:buSzPct val="50000"/>
+              <a:buFont typeface="Courier New" pitchFamily="49" charset="0"/>
+              <a:buChar char="o"/>
+            </a:pPr>
+            <a:r>
+              <a:rPr lang="de-DE" dirty="0" smtClean="0"/>
+              <a:t>kies willekeurige positie (dichtbij oude positie)</a:t>
+            </a:r>
+          </a:p>
+          <a:p>
+            <a:pPr marL="285750" indent="-285750">
+              <a:buSzPct val="50000"/>
+              <a:buFont typeface="Courier New" pitchFamily="49" charset="0"/>
+              <a:buChar char="o"/>
+            </a:pPr>
+            <a:r>
+              <a:rPr lang="de-DE" dirty="0" smtClean="0"/>
+              <a:t>checken of positie voldoende vrijstand heeft</a:t>
+            </a:r>
+          </a:p>
+          <a:p>
+            <a:pPr marL="285750" indent="-285750">
+              <a:buSzPct val="50000"/>
+              <a:buFont typeface="Courier New" pitchFamily="49" charset="0"/>
+              <a:buChar char="o"/>
+            </a:pPr>
+            <a:r>
+              <a:rPr lang="de-DE" dirty="0" smtClean="0"/>
+              <a:t>checken of huis waarde of vrijstand omhoog gaat</a:t>
+            </a:r>
+          </a:p>
+          <a:p>
+            <a:pPr marL="285750" indent="-285750">
+              <a:buSzPct val="50000"/>
+              <a:buFont typeface="Courier New" pitchFamily="49" charset="0"/>
+              <a:buChar char="o"/>
+            </a:pPr>
+            <a:r>
+              <a:rPr lang="de-DE" dirty="0" smtClean="0"/>
+              <a:t>als ja, nieuwe positie houden, anders terug naar oude positie</a:t>
+            </a:r>
+          </a:p>
+          <a:p>
+            <a:pPr marL="285750" indent="-285750">
+              <a:buSzPct val="50000"/>
+              <a:buFont typeface="Courier New" pitchFamily="49" charset="0"/>
+              <a:buChar char="o"/>
+            </a:pPr>
+            <a:endParaRPr lang="de-DE" dirty="0"/>
+          </a:p>
+          <a:p>
+            <a:pPr marL="285750" indent="-285750">
+              <a:buSzPct val="50000"/>
+              <a:buFont typeface="Courier New" pitchFamily="49" charset="0"/>
+              <a:buChar char="o"/>
+            </a:pPr>
+            <a:r>
+              <a:rPr lang="de-DE" dirty="0" smtClean="0"/>
+              <a:t>herhalen</a:t>
+            </a:r>
+          </a:p>
+          <a:p>
+            <a:endParaRPr lang="de-DE" dirty="0" smtClean="0"/>
+          </a:p>
+        </p:txBody>
+      </p:sp>
     </p:spTree>
     <p:extLst>
       <p:ext uri="{BB962C8B-B14F-4D97-AF65-F5344CB8AC3E}">
-        <p14:creationId xmlns:p14="http://schemas.microsoft.com/office/powerpoint/2010/main" val="1335202097"/>
+        <p14:creationId xmlns:p14="http://schemas.microsoft.com/office/powerpoint/2010/main" val="3543093796"/>
       </p:ext>
     </p:extLst>
   </p:cSld>
@@ -4278,14 +4346,14 @@
       </p:sp>
       <p:sp>
         <p:nvSpPr>
-          <p:cNvPr id="4" name="TextBox 3"/>
+          <p:cNvPr id="3" name="TextBox 2"/>
           <p:cNvSpPr txBox="1"/>
           <p:nvPr/>
         </p:nvSpPr>
         <p:spPr>
           <a:xfrm>
-            <a:off x="269776" y="1700808"/>
-            <a:ext cx="7254552" cy="461665"/>
+            <a:off x="0" y="476672"/>
+            <a:ext cx="6948264" cy="646331"/>
           </a:xfrm>
           <a:prstGeom prst="rect">
             <a:avLst/>
@@ -4298,23 +4366,33 @@
           </a:bodyPr>
           <a:lstStyle/>
           <a:p>
-            <a:r>
-              <a:rPr lang="de-DE" sz="2400" dirty="0" smtClean="0"/>
-              <a:t>Prestatie plots (voorbeeld simulated annealing)</a:t>
-            </a:r>
-          </a:p>
-        </p:txBody>
-      </p:sp>
-      <p:sp>
-        <p:nvSpPr>
-          <p:cNvPr id="3" name="TextBox 2"/>
+            <a:pPr algn="ctr"/>
+            <a:r>
+              <a:rPr lang="de-DE" sz="3600" dirty="0" smtClean="0"/>
+              <a:t>Functie </a:t>
+            </a:r>
+            <a:r>
+              <a:rPr lang="de-DE" sz="3600" dirty="0"/>
+              <a:t>P</a:t>
+            </a:r>
+            <a:r>
+              <a:rPr lang="de-DE" sz="3600" dirty="0" smtClean="0"/>
+              <a:t>erformancePlots</a:t>
+            </a:r>
+            <a:endParaRPr lang="de-DE" sz="3600" dirty="0"/>
+          </a:p>
+        </p:txBody>
+      </p:sp>
+      <p:sp>
+        <p:nvSpPr>
+          <p:cNvPr id="6" name="TextBox 5"/>
           <p:cNvSpPr txBox="1"/>
           <p:nvPr/>
         </p:nvSpPr>
         <p:spPr>
           <a:xfrm>
-            <a:off x="0" y="476672"/>
-            <a:ext cx="6948264" cy="646331"/>
+            <a:off x="269776" y="1700808"/>
+            <a:ext cx="7254552" cy="461665"/>
           </a:xfrm>
           <a:prstGeom prst="rect">
             <a:avLst/>
@@ -4327,26 +4405,41 @@
           </a:bodyPr>
           <a:lstStyle/>
           <a:p>
-            <a:pPr algn="ctr"/>
-            <a:r>
-              <a:rPr lang="de-DE" sz="3600" dirty="0" smtClean="0"/>
-              <a:t>Functie </a:t>
-            </a:r>
-            <a:r>
-              <a:rPr lang="de-DE" sz="3600" dirty="0"/>
-              <a:t>P</a:t>
-            </a:r>
-            <a:r>
-              <a:rPr lang="de-DE" sz="3600" dirty="0" smtClean="0"/>
-              <a:t>erformancePlots</a:t>
-            </a:r>
-            <a:endParaRPr lang="de-DE" sz="3600" dirty="0"/>
+            <a:r>
+              <a:rPr lang="de-DE" sz="2400" dirty="0" err="1" smtClean="0"/>
+              <a:t>Prestatie</a:t>
+            </a:r>
+            <a:r>
+              <a:rPr lang="de-DE" sz="2400" dirty="0" smtClean="0"/>
+              <a:t> </a:t>
+            </a:r>
+            <a:r>
+              <a:rPr lang="de-DE" sz="2400" dirty="0" err="1" smtClean="0"/>
+              <a:t>plots</a:t>
+            </a:r>
+            <a:r>
+              <a:rPr lang="de-DE" sz="2400" dirty="0" smtClean="0"/>
+              <a:t>, maximale </a:t>
+            </a:r>
+            <a:r>
+              <a:rPr lang="de-DE" sz="2400" dirty="0" err="1" smtClean="0"/>
+              <a:t>waarde</a:t>
+            </a:r>
+            <a:r>
+              <a:rPr lang="de-DE" sz="2400" dirty="0" smtClean="0"/>
+              <a:t> 13.4 </a:t>
+            </a:r>
+            <a:r>
+              <a:rPr lang="de-DE" sz="2400" dirty="0" err="1" smtClean="0"/>
+              <a:t>miljoen</a:t>
+            </a:r>
+            <a:endParaRPr lang="de-DE" sz="2400" dirty="0" smtClean="0"/>
           </a:p>
         </p:txBody>
       </p:sp>
       <p:pic>
         <p:nvPicPr>
-          <p:cNvPr id="6" name="Picture 5"/>
+          <p:cNvPr id="8" name="Picture 7" descr="Screen Shot 2014-11-24 at 17.53.57.png"/>
           <p:cNvPicPr>
             <a:picLocks noChangeAspect="1"/>
           </p:cNvPicPr>
@@ -4366,8 +4459,8 @@
         </p:blipFill>
         <p:spPr>
           <a:xfrm>
-            <a:off x="1621142" y="2348880"/>
-            <a:ext cx="5901717" cy="4306820"/>
+            <a:off x="1691680" y="2276872"/>
+            <a:ext cx="5733132" cy="4354783"/>
           </a:xfrm>
           <a:prstGeom prst="rect">
             <a:avLst/>
@@ -4377,7 +4470,7 @@
     </p:spTree>
     <p:extLst>
       <p:ext uri="{BB962C8B-B14F-4D97-AF65-F5344CB8AC3E}">
-        <p14:creationId xmlns:p14="http://schemas.microsoft.com/office/powerpoint/2010/main" val="910460194"/>
+        <p14:creationId xmlns:p14="http://schemas.microsoft.com/office/powerpoint/2010/main" val="1335202097"/>
       </p:ext>
     </p:extLst>
   </p:cSld>
@@ -4448,14 +4541,14 @@
       </p:sp>
       <p:sp>
         <p:nvSpPr>
-          <p:cNvPr id="4" name="TextBox 3"/>
+          <p:cNvPr id="3" name="TextBox 2"/>
           <p:cNvSpPr txBox="1"/>
           <p:nvPr/>
         </p:nvSpPr>
         <p:spPr>
           <a:xfrm>
-            <a:off x="269776" y="1700808"/>
-            <a:ext cx="8550696" cy="707886"/>
+            <a:off x="0" y="476672"/>
+            <a:ext cx="6948264" cy="646331"/>
           </a:xfrm>
           <a:prstGeom prst="rect">
             <a:avLst/>
@@ -4468,23 +4561,120 @@
           </a:bodyPr>
           <a:lstStyle/>
           <a:p>
-            <a:r>
-              <a:rPr lang="de-DE" sz="2000" dirty="0" smtClean="0"/>
-              <a:t>Def simulation verdeeld de huizen op het land en verschuivt de locatie van de huizen naar „betere“ posities.</a:t>
-            </a:r>
-          </a:p>
-        </p:txBody>
-      </p:sp>
-      <p:sp>
-        <p:nvSpPr>
-          <p:cNvPr id="3" name="TextBox 2"/>
+            <a:pPr algn="ctr"/>
+            <a:r>
+              <a:rPr lang="de-DE" sz="3600" dirty="0" smtClean="0"/>
+              <a:t>Function Simulation</a:t>
+            </a:r>
+            <a:endParaRPr lang="de-DE" sz="3600" dirty="0"/>
+          </a:p>
+        </p:txBody>
+      </p:sp>
+      <p:sp>
+        <p:nvSpPr>
+          <p:cNvPr id="5" name="TextBox 4"/>
           <p:cNvSpPr txBox="1"/>
           <p:nvPr/>
         </p:nvSpPr>
         <p:spPr>
           <a:xfrm>
-            <a:off x="0" y="476672"/>
-            <a:ext cx="6948264" cy="646331"/>
+            <a:off x="375387" y="2394847"/>
+            <a:ext cx="3384376" cy="1446550"/>
+          </a:xfrm>
+          <a:prstGeom prst="rect">
+            <a:avLst/>
+          </a:prstGeom>
+          <a:gradFill>
+            <a:gsLst>
+              <a:gs pos="0">
+                <a:schemeClr val="accent1">
+                  <a:tint val="66000"/>
+                  <a:satMod val="160000"/>
+                  <a:alpha val="0"/>
+                </a:schemeClr>
+              </a:gs>
+              <a:gs pos="50000">
+                <a:schemeClr val="accent1">
+                  <a:tint val="44500"/>
+                  <a:satMod val="160000"/>
+                </a:schemeClr>
+              </a:gs>
+              <a:gs pos="100000">
+                <a:schemeClr val="accent1">
+                  <a:tint val="23500"/>
+                  <a:satMod val="160000"/>
+                </a:schemeClr>
+              </a:gs>
+            </a:gsLst>
+            <a:lin ang="5400000" scaled="0"/>
+          </a:gradFill>
+          <a:ln>
+            <a:noFill/>
+          </a:ln>
+        </p:spPr>
+        <p:txBody>
+          <a:bodyPr wrap="square" rtlCol="0">
+            <a:spAutoFit/>
+          </a:bodyPr>
+          <a:lstStyle/>
+          <a:p>
+            <a:pPr algn="ctr"/>
+            <a:r>
+              <a:rPr lang="de-DE" sz="4400" dirty="0" smtClean="0">
+                <a:solidFill>
+                  <a:srgbClr val="FF0000"/>
+                </a:solidFill>
+              </a:rPr>
+              <a:t>Simulated Annealing</a:t>
+            </a:r>
+            <a:endParaRPr lang="de-DE" sz="4400" dirty="0">
+              <a:solidFill>
+                <a:srgbClr val="FF0000"/>
+              </a:solidFill>
+            </a:endParaRPr>
+          </a:p>
+        </p:txBody>
+      </p:sp>
+      <p:pic>
+        <p:nvPicPr>
+          <p:cNvPr id="6" name="Picture 5"/>
+          <p:cNvPicPr>
+            <a:picLocks noChangeAspect="1"/>
+          </p:cNvPicPr>
+          <p:nvPr/>
+        </p:nvPicPr>
+        <p:blipFill>
+          <a:blip r:embed="rId2" cstate="print">
+            <a:extLst>
+              <a:ext uri="{28A0092B-C50C-407E-A947-70E740481C1C}">
+                <a14:useLocalDpi xmlns:a14="http://schemas.microsoft.com/office/drawing/2010/main" val="0"/>
+              </a:ext>
+            </a:extLst>
+          </a:blip>
+          <a:stretch>
+            <a:fillRect/>
+          </a:stretch>
+        </p:blipFill>
+        <p:spPr>
+          <a:xfrm>
+            <a:off x="375387" y="2425002"/>
+            <a:ext cx="792088" cy="784114"/>
+          </a:xfrm>
+          <a:prstGeom prst="rect">
+            <a:avLst/>
+          </a:prstGeom>
+        </p:spPr>
+      </p:pic>
+      <p:sp>
+        <p:nvSpPr>
+          <p:cNvPr id="8" name="TextBox 7"/>
+          <p:cNvSpPr txBox="1"/>
+          <p:nvPr/>
+        </p:nvSpPr>
+        <p:spPr>
+          <a:xfrm>
+            <a:off x="5076056" y="2047070"/>
+            <a:ext cx="3240360" cy="2862322"/>
           </a:xfrm>
           <a:prstGeom prst="rect">
             <a:avLst/>
@@ -4497,40 +4687,9 @@
           </a:bodyPr>
           <a:lstStyle/>
           <a:p>
-            <a:pPr algn="ctr"/>
-            <a:r>
-              <a:rPr lang="de-DE" sz="3600" dirty="0" smtClean="0"/>
-              <a:t>Function Simulation</a:t>
-            </a:r>
-            <a:endParaRPr lang="de-DE" sz="3600" dirty="0"/>
-          </a:p>
-        </p:txBody>
-      </p:sp>
-      <p:sp>
-        <p:nvSpPr>
-          <p:cNvPr id="7" name="TextBox 6"/>
-          <p:cNvSpPr txBox="1"/>
-          <p:nvPr/>
-        </p:nvSpPr>
-        <p:spPr>
-          <a:xfrm>
-            <a:off x="2924944" y="2628592"/>
-            <a:ext cx="3240360" cy="3970318"/>
-          </a:xfrm>
-          <a:prstGeom prst="rect">
-            <a:avLst/>
-          </a:prstGeom>
-          <a:noFill/>
-        </p:spPr>
-        <p:txBody>
-          <a:bodyPr wrap="square" rtlCol="0">
-            <a:spAutoFit/>
-          </a:bodyPr>
-          <a:lstStyle/>
-          <a:p>
             <a:r>
               <a:rPr lang="de-DE" dirty="0" smtClean="0"/>
-              <a:t>Hill Climber Algoritme:</a:t>
+              <a:t>Simulated Annealing Algoritme:</a:t>
             </a:r>
           </a:p>
           <a:p>
@@ -4542,50 +4701,6 @@
             <a:r>
               <a:rPr lang="de-DE" dirty="0" smtClean="0"/>
               <a:t>kies willekeurig huis</a:t>
-            </a:r>
-          </a:p>
-          <a:p>
-            <a:pPr marL="285750" indent="-285750">
-              <a:buSzPct val="50000"/>
-              <a:buFont typeface="Courier New" pitchFamily="49" charset="0"/>
-              <a:buChar char="o"/>
-            </a:pPr>
-            <a:r>
-              <a:rPr lang="de-DE" dirty="0" smtClean="0"/>
-              <a:t>kies willekeurige positie (dichtbij oude positie)</a:t>
-            </a:r>
-          </a:p>
-          <a:p>
-            <a:pPr marL="285750" indent="-285750">
-              <a:buSzPct val="50000"/>
-              <a:buFont typeface="Courier New" pitchFamily="49" charset="0"/>
-              <a:buChar char="o"/>
-            </a:pPr>
-            <a:r>
-              <a:rPr lang="de-DE" dirty="0" smtClean="0"/>
-              <a:t>checken of positie voldoende vrijstand heeft</a:t>
-            </a:r>
-          </a:p>
-          <a:p>
-            <a:pPr marL="285750" indent="-285750">
-              <a:buSzPct val="50000"/>
-              <a:buFont typeface="Courier New" pitchFamily="49" charset="0"/>
-              <a:buChar char="o"/>
-            </a:pPr>
-            <a:r>
-              <a:rPr lang="de-DE" dirty="0" smtClean="0"/>
-              <a:t>checken of huis waarde of vrijstand omhoog gaat</a:t>
-            </a:r>
-          </a:p>
-          <a:p>
-            <a:pPr marL="285750" indent="-285750">
-              <a:buSzPct val="50000"/>
-              <a:buFont typeface="Courier New" pitchFamily="49" charset="0"/>
-              <a:buChar char="o"/>
-            </a:pPr>
-            <a:r>
-              <a:rPr lang="de-DE" dirty="0" smtClean="0"/>
-              <a:t>als ja, nieuwe positie houden, anders terug naar oude positie</a:t>
             </a:r>
           </a:p>
           <a:p>
@@ -4604,8 +4719,140 @@
             </a:pPr>
             <a:r>
               <a:rPr lang="de-DE" dirty="0" smtClean="0"/>
+              <a:t>hillClimber met kans op </a:t>
+            </a:r>
+            <a:r>
+              <a:rPr lang="de-DE" dirty="0" smtClean="0">
+                <a:solidFill>
+                  <a:srgbClr val="FF0000"/>
+                </a:solidFill>
+              </a:rPr>
+              <a:t>negative waarde verandering </a:t>
+            </a:r>
+            <a:r>
+              <a:rPr lang="de-DE" dirty="0" smtClean="0"/>
+              <a:t>+ </a:t>
+            </a:r>
+            <a:r>
+              <a:rPr lang="de-DE" dirty="0" smtClean="0">
+                <a:solidFill>
+                  <a:srgbClr val="FF0000"/>
+                </a:solidFill>
+              </a:rPr>
+              <a:t>positie verandering afhankelijk van temperatuur</a:t>
+            </a:r>
+          </a:p>
+          <a:p>
+            <a:pPr marL="285750" indent="-285750">
+              <a:buSzPct val="50000"/>
+              <a:buFont typeface="Courier New" pitchFamily="49" charset="0"/>
+              <a:buChar char="o"/>
+            </a:pPr>
+            <a:endParaRPr lang="de-DE" dirty="0"/>
+          </a:p>
+          <a:p>
+            <a:pPr marL="285750" indent="-285750">
+              <a:buSzPct val="50000"/>
+              <a:buFont typeface="Courier New" pitchFamily="49" charset="0"/>
+              <a:buChar char="o"/>
+            </a:pPr>
+            <a:r>
+              <a:rPr lang="de-DE" dirty="0" smtClean="0"/>
               <a:t>herhalen</a:t>
             </a:r>
+          </a:p>
+          <a:p>
+            <a:endParaRPr lang="de-DE" dirty="0" smtClean="0"/>
+          </a:p>
+        </p:txBody>
+      </p:sp>
+      <p:sp>
+        <p:nvSpPr>
+          <p:cNvPr id="10" name="TextBox 9"/>
+          <p:cNvSpPr txBox="1"/>
+          <p:nvPr/>
+        </p:nvSpPr>
+        <p:spPr>
+          <a:xfrm>
+            <a:off x="411492" y="4936915"/>
+            <a:ext cx="4137080" cy="1477328"/>
+          </a:xfrm>
+          <a:prstGeom prst="rect">
+            <a:avLst/>
+          </a:prstGeom>
+          <a:noFill/>
+        </p:spPr>
+        <p:txBody>
+          <a:bodyPr wrap="square" rtlCol="0">
+            <a:spAutoFit/>
+          </a:bodyPr>
+          <a:lstStyle/>
+          <a:p>
+            <a:r>
+              <a:rPr lang="de-DE" dirty="0" err="1" smtClean="0"/>
+              <a:t>Acceptatie</a:t>
+            </a:r>
+            <a:r>
+              <a:rPr lang="de-DE" dirty="0" smtClean="0"/>
+              <a:t> </a:t>
+            </a:r>
+            <a:r>
+              <a:rPr lang="de-DE" dirty="0" err="1" smtClean="0"/>
+              <a:t>kans</a:t>
+            </a:r>
+            <a:r>
+              <a:rPr lang="de-DE" dirty="0" smtClean="0"/>
+              <a:t>:</a:t>
+            </a:r>
+            <a:endParaRPr lang="de-DE" dirty="0"/>
+          </a:p>
+          <a:p>
+            <a:r>
+              <a:rPr lang="de-DE" dirty="0" smtClean="0"/>
+              <a:t>e^(</a:t>
+            </a:r>
+            <a:r>
+              <a:rPr lang="de-DE" dirty="0" err="1" smtClean="0"/>
+              <a:t>Verandering</a:t>
+            </a:r>
+            <a:r>
+              <a:rPr lang="de-DE" dirty="0" smtClean="0"/>
+              <a:t>/</a:t>
+            </a:r>
+            <a:r>
+              <a:rPr lang="de-DE" dirty="0"/>
+              <a:t>(100-Temperatuur/100</a:t>
+            </a:r>
+            <a:r>
+              <a:rPr lang="de-DE" dirty="0" smtClean="0"/>
+              <a:t>))</a:t>
+            </a:r>
+          </a:p>
+          <a:p>
+            <a:endParaRPr lang="de-DE" dirty="0" smtClean="0"/>
+          </a:p>
+          <a:p>
+            <a:r>
+              <a:rPr lang="de-DE" dirty="0" err="1" smtClean="0"/>
+              <a:t>Temperatuur</a:t>
+            </a:r>
+            <a:r>
+              <a:rPr lang="de-DE" dirty="0" smtClean="0"/>
+              <a:t>: </a:t>
+            </a:r>
+            <a:r>
+              <a:rPr lang="de-DE" dirty="0" err="1" smtClean="0"/>
+              <a:t>Iteratie</a:t>
+            </a:r>
+            <a:r>
+              <a:rPr lang="de-DE" dirty="0" smtClean="0"/>
+              <a:t> </a:t>
+            </a:r>
+            <a:r>
+              <a:rPr lang="de-DE" dirty="0" err="1" smtClean="0"/>
+              <a:t>nummer</a:t>
+            </a:r>
+            <a:endParaRPr lang="de-DE" dirty="0" smtClean="0"/>
           </a:p>
           <a:p>
             <a:endParaRPr lang="de-DE" dirty="0" smtClean="0"/>
@@ -4615,7 +4862,7 @@
     </p:spTree>
     <p:extLst>
       <p:ext uri="{BB962C8B-B14F-4D97-AF65-F5344CB8AC3E}">
-        <p14:creationId xmlns:p14="http://schemas.microsoft.com/office/powerpoint/2010/main" val="3543093796"/>
+        <p14:creationId xmlns:p14="http://schemas.microsoft.com/office/powerpoint/2010/main" val="165182030"/>
       </p:ext>
     </p:extLst>
   </p:cSld>
@@ -4686,14 +4933,14 @@
       </p:sp>
       <p:sp>
         <p:nvSpPr>
-          <p:cNvPr id="4" name="TextBox 3"/>
+          <p:cNvPr id="3" name="TextBox 2"/>
           <p:cNvSpPr txBox="1"/>
           <p:nvPr/>
         </p:nvSpPr>
         <p:spPr>
           <a:xfrm>
-            <a:off x="269776" y="1700808"/>
-            <a:ext cx="8550696" cy="707886"/>
+            <a:off x="0" y="476672"/>
+            <a:ext cx="6948264" cy="646331"/>
           </a:xfrm>
           <a:prstGeom prst="rect">
             <a:avLst/>
@@ -4706,23 +4953,33 @@
           </a:bodyPr>
           <a:lstStyle/>
           <a:p>
-            <a:r>
-              <a:rPr lang="de-DE" sz="2000" dirty="0" smtClean="0"/>
-              <a:t>Def simulation verdeeld de huizen op het land en verschuivt de locatie van de huizen naar „betere“ posities.</a:t>
-            </a:r>
-          </a:p>
-        </p:txBody>
-      </p:sp>
-      <p:sp>
-        <p:nvSpPr>
-          <p:cNvPr id="3" name="TextBox 2"/>
+            <a:pPr algn="ctr"/>
+            <a:r>
+              <a:rPr lang="de-DE" sz="3600" dirty="0" smtClean="0"/>
+              <a:t>Functie </a:t>
+            </a:r>
+            <a:r>
+              <a:rPr lang="de-DE" sz="3600" dirty="0"/>
+              <a:t>P</a:t>
+            </a:r>
+            <a:r>
+              <a:rPr lang="de-DE" sz="3600" dirty="0" smtClean="0"/>
+              <a:t>erformancePlots</a:t>
+            </a:r>
+            <a:endParaRPr lang="de-DE" sz="3600" dirty="0"/>
+          </a:p>
+        </p:txBody>
+      </p:sp>
+      <p:sp>
+        <p:nvSpPr>
+          <p:cNvPr id="7" name="TextBox 6"/>
           <p:cNvSpPr txBox="1"/>
           <p:nvPr/>
         </p:nvSpPr>
         <p:spPr>
           <a:xfrm>
-            <a:off x="0" y="476672"/>
-            <a:ext cx="6948264" cy="646331"/>
+            <a:off x="269776" y="1700808"/>
+            <a:ext cx="7254552" cy="461665"/>
           </a:xfrm>
           <a:prstGeom prst="rect">
             <a:avLst/>
@@ -4735,90 +4992,52 @@
           </a:bodyPr>
           <a:lstStyle/>
           <a:p>
-            <a:pPr algn="ctr"/>
-            <a:r>
-              <a:rPr lang="de-DE" sz="3600" dirty="0" smtClean="0"/>
-              <a:t>Function Simulation</a:t>
-            </a:r>
-            <a:endParaRPr lang="de-DE" sz="3600" dirty="0"/>
-          </a:p>
-        </p:txBody>
-      </p:sp>
-      <p:sp>
-        <p:nvSpPr>
-          <p:cNvPr id="5" name="TextBox 4"/>
-          <p:cNvSpPr txBox="1"/>
-          <p:nvPr/>
-        </p:nvSpPr>
-        <p:spPr>
-          <a:xfrm>
-            <a:off x="395536" y="3126604"/>
-            <a:ext cx="3384376" cy="1446550"/>
-          </a:xfrm>
-          <a:prstGeom prst="rect">
-            <a:avLst/>
-          </a:prstGeom>
-          <a:gradFill>
-            <a:gsLst>
-              <a:gs pos="0">
-                <a:schemeClr val="accent1">
-                  <a:tint val="66000"/>
-                  <a:satMod val="160000"/>
-                  <a:alpha val="0"/>
-                </a:schemeClr>
-              </a:gs>
-              <a:gs pos="50000">
-                <a:schemeClr val="accent1">
-                  <a:tint val="44500"/>
-                  <a:satMod val="160000"/>
-                </a:schemeClr>
-              </a:gs>
-              <a:gs pos="100000">
-                <a:schemeClr val="accent1">
-                  <a:tint val="23500"/>
-                  <a:satMod val="160000"/>
-                </a:schemeClr>
-              </a:gs>
-            </a:gsLst>
-            <a:lin ang="5400000" scaled="0"/>
-          </a:gradFill>
-          <a:ln>
-            <a:noFill/>
-          </a:ln>
-        </p:spPr>
-        <p:txBody>
-          <a:bodyPr wrap="square" rtlCol="0">
-            <a:spAutoFit/>
-          </a:bodyPr>
-          <a:lstStyle/>
-          <a:p>
-            <a:pPr algn="ctr"/>
-            <a:r>
-              <a:rPr lang="de-DE" sz="4400" dirty="0" smtClean="0">
-                <a:solidFill>
-                  <a:srgbClr val="FF0000"/>
-                </a:solidFill>
-              </a:rPr>
-              <a:t>Simulated Annealing</a:t>
-            </a:r>
-            <a:endParaRPr lang="de-DE" sz="4400" dirty="0">
-              <a:solidFill>
-                <a:srgbClr val="FF0000"/>
-              </a:solidFill>
-            </a:endParaRPr>
+            <a:r>
+              <a:rPr lang="de-DE" sz="2400" dirty="0" err="1" smtClean="0"/>
+              <a:t>Prestatie</a:t>
+            </a:r>
+            <a:r>
+              <a:rPr lang="de-DE" sz="2400" dirty="0" smtClean="0"/>
+              <a:t> </a:t>
+            </a:r>
+            <a:r>
+              <a:rPr lang="de-DE" sz="2400" dirty="0" err="1" smtClean="0"/>
+              <a:t>plots</a:t>
+            </a:r>
+            <a:r>
+              <a:rPr lang="de-DE" sz="2400" dirty="0" smtClean="0"/>
+              <a:t>, maximale </a:t>
+            </a:r>
+            <a:r>
+              <a:rPr lang="de-DE" sz="2400" dirty="0" err="1" smtClean="0"/>
+              <a:t>waarde</a:t>
+            </a:r>
+            <a:r>
+              <a:rPr lang="de-DE" sz="2400" dirty="0"/>
+              <a:t> </a:t>
+            </a:r>
+            <a:r>
+              <a:rPr lang="de-DE" sz="2400" dirty="0" smtClean="0"/>
+              <a:t>13.9 </a:t>
+            </a:r>
+            <a:r>
+              <a:rPr lang="de-DE" sz="2400" dirty="0" err="1" smtClean="0"/>
+              <a:t>miljoen</a:t>
+            </a:r>
+            <a:endParaRPr lang="de-DE" sz="2400" dirty="0" smtClean="0"/>
           </a:p>
         </p:txBody>
       </p:sp>
       <p:pic>
         <p:nvPicPr>
-          <p:cNvPr id="6" name="Picture 5"/>
+          <p:cNvPr id="8" name="Picture 7" descr="Screen Shot 2014-11-24 at 18.06.44.png"/>
           <p:cNvPicPr>
             <a:picLocks noChangeAspect="1"/>
           </p:cNvPicPr>
           <p:nvPr/>
         </p:nvPicPr>
         <p:blipFill>
-          <a:blip r:embed="rId2" cstate="print">
+          <a:blip r:embed="rId2">
             <a:extLst>
               <a:ext uri="{28A0092B-C50C-407E-A947-70E740481C1C}">
                 <a14:useLocalDpi xmlns:a14="http://schemas.microsoft.com/office/drawing/2010/main" val="0"/>
@@ -4831,187 +5050,18 @@
         </p:blipFill>
         <p:spPr>
           <a:xfrm>
-            <a:off x="375387" y="3065765"/>
-            <a:ext cx="792088" cy="784114"/>
+            <a:off x="1979712" y="2348880"/>
+            <a:ext cx="5551016" cy="4221899"/>
           </a:xfrm>
           <a:prstGeom prst="rect">
             <a:avLst/>
           </a:prstGeom>
         </p:spPr>
       </p:pic>
-      <p:sp>
-        <p:nvSpPr>
-          <p:cNvPr id="8" name="TextBox 7"/>
-          <p:cNvSpPr txBox="1"/>
-          <p:nvPr/>
-        </p:nvSpPr>
-        <p:spPr>
-          <a:xfrm>
-            <a:off x="5076056" y="2628591"/>
-            <a:ext cx="3240360" cy="2862322"/>
-          </a:xfrm>
-          <a:prstGeom prst="rect">
-            <a:avLst/>
-          </a:prstGeom>
-          <a:noFill/>
-        </p:spPr>
-        <p:txBody>
-          <a:bodyPr wrap="square" rtlCol="0">
-            <a:spAutoFit/>
-          </a:bodyPr>
-          <a:lstStyle/>
-          <a:p>
-            <a:r>
-              <a:rPr lang="de-DE" dirty="0" smtClean="0"/>
-              <a:t>Simulated Annealing Algoritme:</a:t>
-            </a:r>
-          </a:p>
-          <a:p>
-            <a:pPr marL="285750" indent="-285750">
-              <a:buSzPct val="50000"/>
-              <a:buFont typeface="Courier New" pitchFamily="49" charset="0"/>
-              <a:buChar char="o"/>
-            </a:pPr>
-            <a:r>
-              <a:rPr lang="de-DE" dirty="0" smtClean="0"/>
-              <a:t>kies willekeurig </a:t>
-            </a:r>
-            <a:r>
-              <a:rPr lang="de-DE" dirty="0" smtClean="0"/>
-              <a:t>huis</a:t>
-            </a:r>
-          </a:p>
-          <a:p>
-            <a:pPr marL="285750" indent="-285750">
-              <a:buSzPct val="50000"/>
-              <a:buFont typeface="Courier New" pitchFamily="49" charset="0"/>
-              <a:buChar char="o"/>
-            </a:pPr>
-            <a:endParaRPr lang="de-DE" dirty="0"/>
-          </a:p>
-          <a:p>
-            <a:pPr marL="285750" indent="-285750">
-              <a:buSzPct val="50000"/>
-              <a:buFont typeface="Courier New" pitchFamily="49" charset="0"/>
-              <a:buChar char="o"/>
-            </a:pPr>
-            <a:r>
-              <a:rPr lang="de-DE" dirty="0" smtClean="0"/>
-              <a:t>hillClimber met kans op </a:t>
-            </a:r>
-            <a:r>
-              <a:rPr lang="de-DE" dirty="0" smtClean="0">
-                <a:solidFill>
-                  <a:srgbClr val="FF0000"/>
-                </a:solidFill>
-              </a:rPr>
-              <a:t>negative waarde verandering </a:t>
-            </a:r>
-            <a:r>
-              <a:rPr lang="de-DE" dirty="0" smtClean="0"/>
-              <a:t>+ </a:t>
-            </a:r>
-            <a:r>
-              <a:rPr lang="de-DE" dirty="0" smtClean="0">
-                <a:solidFill>
-                  <a:srgbClr val="FF0000"/>
-                </a:solidFill>
-              </a:rPr>
-              <a:t>positie verandering afhankelijk van temperatuur</a:t>
-            </a:r>
-            <a:endParaRPr lang="de-DE" dirty="0" smtClean="0">
-              <a:solidFill>
-                <a:srgbClr val="FF0000"/>
-              </a:solidFill>
-            </a:endParaRPr>
-          </a:p>
-          <a:p>
-            <a:pPr marL="285750" indent="-285750">
-              <a:buSzPct val="50000"/>
-              <a:buFont typeface="Courier New" pitchFamily="49" charset="0"/>
-              <a:buChar char="o"/>
-            </a:pPr>
-            <a:endParaRPr lang="de-DE" dirty="0"/>
-          </a:p>
-          <a:p>
-            <a:pPr marL="285750" indent="-285750">
-              <a:buSzPct val="50000"/>
-              <a:buFont typeface="Courier New" pitchFamily="49" charset="0"/>
-              <a:buChar char="o"/>
-            </a:pPr>
-            <a:r>
-              <a:rPr lang="de-DE" dirty="0" smtClean="0"/>
-              <a:t>herhalen</a:t>
-            </a:r>
-          </a:p>
-          <a:p>
-            <a:endParaRPr lang="de-DE" dirty="0" smtClean="0"/>
-          </a:p>
-        </p:txBody>
-      </p:sp>
-      <p:sp>
-        <p:nvSpPr>
-          <p:cNvPr id="9" name="TextBox 8"/>
-          <p:cNvSpPr txBox="1"/>
-          <p:nvPr/>
-        </p:nvSpPr>
-        <p:spPr>
-          <a:xfrm>
-            <a:off x="411492" y="4936915"/>
-            <a:ext cx="4137080" cy="1754326"/>
-          </a:xfrm>
-          <a:prstGeom prst="rect">
-            <a:avLst/>
-          </a:prstGeom>
-          <a:noFill/>
-        </p:spPr>
-        <p:txBody>
-          <a:bodyPr wrap="square" rtlCol="0">
-            <a:spAutoFit/>
-          </a:bodyPr>
-          <a:lstStyle/>
-          <a:p>
-            <a:r>
-              <a:rPr lang="de-DE" dirty="0" smtClean="0"/>
-              <a:t>Temperatuur:</a:t>
-            </a:r>
-          </a:p>
-          <a:p>
-            <a:endParaRPr lang="de-DE" dirty="0"/>
-          </a:p>
-          <a:p>
-            <a:r>
-              <a:rPr lang="de-DE" dirty="0" smtClean="0"/>
-              <a:t>e^(value_change</a:t>
-            </a:r>
-            <a:r>
-              <a:rPr lang="de-DE" dirty="0"/>
-              <a:t>/(100-temperature/100</a:t>
-            </a:r>
-            <a:r>
-              <a:rPr lang="de-DE" dirty="0" smtClean="0"/>
-              <a:t>))</a:t>
-            </a:r>
-          </a:p>
-          <a:p>
-            <a:endParaRPr lang="de-DE" dirty="0"/>
-          </a:p>
-          <a:p>
-            <a:r>
-              <a:rPr lang="de-DE" dirty="0" smtClean="0"/>
-              <a:t>Start waarde: aantal updates (bv 3000)</a:t>
-            </a:r>
-            <a:endParaRPr lang="de-DE" dirty="0" smtClean="0"/>
-          </a:p>
-          <a:p>
-            <a:endParaRPr lang="de-DE" dirty="0" smtClean="0"/>
-          </a:p>
-        </p:txBody>
-      </p:sp>
     </p:spTree>
     <p:extLst>
       <p:ext uri="{BB962C8B-B14F-4D97-AF65-F5344CB8AC3E}">
-        <p14:creationId xmlns:p14="http://schemas.microsoft.com/office/powerpoint/2010/main" val="165182030"/>
+        <p14:creationId xmlns:p14="http://schemas.microsoft.com/office/powerpoint/2010/main" val="910460194"/>
       </p:ext>
     </p:extLst>
   </p:cSld>
@@ -5082,14 +5132,14 @@
       </p:sp>
       <p:sp>
         <p:nvSpPr>
-          <p:cNvPr id="3" name="TextBox 2"/>
+          <p:cNvPr id="4" name="TextBox 3"/>
           <p:cNvSpPr txBox="1"/>
           <p:nvPr/>
         </p:nvSpPr>
         <p:spPr>
           <a:xfrm>
-            <a:off x="971600" y="476672"/>
-            <a:ext cx="6948264" cy="646331"/>
+            <a:off x="309430" y="1772816"/>
+            <a:ext cx="8550696" cy="400110"/>
           </a:xfrm>
           <a:prstGeom prst="rect">
             <a:avLst/>
@@ -5102,25 +5152,31 @@
           </a:bodyPr>
           <a:lstStyle/>
           <a:p>
-            <a:pPr algn="ctr"/>
-            <a:r>
-              <a:rPr lang="de-DE" sz="3600" dirty="0" smtClean="0"/>
-              <a:t>...deze week nieuw in de aanbieding</a:t>
-            </a:r>
-            <a:endParaRPr lang="de-DE" sz="3600" dirty="0"/>
-          </a:p>
-        </p:txBody>
-      </p:sp>
-      <p:sp>
-        <p:nvSpPr>
-          <p:cNvPr id="5" name="TextBox 4"/>
+            <a:r>
+              <a:rPr lang="de-DE" sz="2000" dirty="0" smtClean="0"/>
+              <a:t>Extra </a:t>
+            </a:r>
+            <a:r>
+              <a:rPr lang="de-DE" sz="2000" dirty="0" smtClean="0"/>
+              <a:t>land </a:t>
+            </a:r>
+            <a:r>
+              <a:rPr lang="de-DE" sz="2000" dirty="0" smtClean="0"/>
+              <a:t>representatie als „grid“</a:t>
+            </a:r>
+          </a:p>
+        </p:txBody>
+      </p:sp>
+      <p:sp>
+        <p:nvSpPr>
+          <p:cNvPr id="3" name="TextBox 2"/>
           <p:cNvSpPr txBox="1"/>
           <p:nvPr/>
         </p:nvSpPr>
         <p:spPr>
           <a:xfrm>
-            <a:off x="251520" y="1739495"/>
-            <a:ext cx="5044210" cy="400110"/>
+            <a:off x="971600" y="476672"/>
+            <a:ext cx="6948264" cy="646331"/>
           </a:xfrm>
           <a:prstGeom prst="rect">
             <a:avLst/>
@@ -5133,29 +5189,18 @@
           </a:bodyPr>
           <a:lstStyle/>
           <a:p>
-            <a:r>
-              <a:rPr lang="de-DE" sz="2000" dirty="0" smtClean="0"/>
-              <a:t>Class House: vrijstand berekenen </a:t>
-            </a:r>
-            <a:r>
-              <a:rPr lang="de-DE" sz="2000" dirty="0" smtClean="0">
-                <a:solidFill>
-                  <a:srgbClr val="FF0000"/>
-                </a:solidFill>
-              </a:rPr>
-              <a:t>met rotatie</a:t>
-            </a:r>
-            <a:endParaRPr lang="de-DE" sz="2000" dirty="0">
-              <a:solidFill>
-                <a:srgbClr val="FF0000"/>
-              </a:solidFill>
-            </a:endParaRPr>
+            <a:pPr algn="ctr"/>
+            <a:r>
+              <a:rPr lang="de-DE" sz="3600" dirty="0" smtClean="0"/>
+              <a:t>...deze week nieuw in de aanbieding</a:t>
+            </a:r>
+            <a:endParaRPr lang="de-DE" sz="3600" dirty="0"/>
           </a:p>
         </p:txBody>
       </p:sp>
       <p:pic>
         <p:nvPicPr>
-          <p:cNvPr id="6" name="Picture 5"/>
+          <p:cNvPr id="5" name="Picture 4"/>
           <p:cNvPicPr>
             <a:picLocks noChangeAspect="1"/>
           </p:cNvPicPr>
@@ -5175,8 +5220,8 @@
         </p:blipFill>
         <p:spPr>
           <a:xfrm>
-            <a:off x="2257344" y="2276872"/>
-            <a:ext cx="4629312" cy="3849464"/>
+            <a:off x="1490750" y="2492896"/>
+            <a:ext cx="6162500" cy="3596035"/>
           </a:xfrm>
           <a:prstGeom prst="rect">
             <a:avLst/>
@@ -5186,7 +5231,7 @@
     </p:spTree>
     <p:extLst>
       <p:ext uri="{BB962C8B-B14F-4D97-AF65-F5344CB8AC3E}">
-        <p14:creationId xmlns:p14="http://schemas.microsoft.com/office/powerpoint/2010/main" val="1821367598"/>
+        <p14:creationId xmlns:p14="http://schemas.microsoft.com/office/powerpoint/2010/main" val="701969984"/>
       </p:ext>
     </p:extLst>
   </p:cSld>
@@ -5330,7 +5375,7 @@
       </p:sp>
       <p:pic>
         <p:nvPicPr>
-          <p:cNvPr id="7" name="Picture 6"/>
+          <p:cNvPr id="6" name="Picture 5"/>
           <p:cNvPicPr>
             <a:picLocks noChangeAspect="1"/>
           </p:cNvPicPr>
@@ -5350,38 +5395,8 @@
         </p:blipFill>
         <p:spPr>
           <a:xfrm>
-            <a:off x="611560" y="2564904"/>
-            <a:ext cx="3543300" cy="2946400"/>
-          </a:xfrm>
-          <a:prstGeom prst="rect">
-            <a:avLst/>
-          </a:prstGeom>
-        </p:spPr>
-      </p:pic>
-      <p:pic>
-        <p:nvPicPr>
-          <p:cNvPr id="8" name="Picture 7"/>
-          <p:cNvPicPr>
-            <a:picLocks noChangeAspect="1"/>
-          </p:cNvPicPr>
-          <p:nvPr/>
-        </p:nvPicPr>
-        <p:blipFill>
-          <a:blip r:embed="rId3">
-            <a:extLst>
-              <a:ext uri="{28A0092B-C50C-407E-A947-70E740481C1C}">
-                <a14:useLocalDpi xmlns:a14="http://schemas.microsoft.com/office/drawing/2010/main" val="0"/>
-              </a:ext>
-            </a:extLst>
-          </a:blip>
-          <a:stretch>
-            <a:fillRect/>
-          </a:stretch>
-        </p:blipFill>
-        <p:spPr>
-          <a:xfrm>
-            <a:off x="4932040" y="2564904"/>
-            <a:ext cx="3543300" cy="2946400"/>
+            <a:off x="2257344" y="2276872"/>
+            <a:ext cx="4629312" cy="3849464"/>
           </a:xfrm>
           <a:prstGeom prst="rect">
             <a:avLst/>
@@ -5391,7 +5406,7 @@
     </p:spTree>
     <p:extLst>
       <p:ext uri="{BB962C8B-B14F-4D97-AF65-F5344CB8AC3E}">
-        <p14:creationId xmlns:p14="http://schemas.microsoft.com/office/powerpoint/2010/main" val="1309973989"/>
+        <p14:creationId xmlns:p14="http://schemas.microsoft.com/office/powerpoint/2010/main" val="1821367598"/>
       </p:ext>
     </p:extLst>
   </p:cSld>
@@ -5463,7 +5478,7 @@
         <p:spPr>
           <a:xfrm>
             <a:off x="1403648" y="2420888"/>
-            <a:ext cx="6408712" cy="2246769"/>
+            <a:ext cx="6408712" cy="3108543"/>
           </a:xfrm>
           <a:prstGeom prst="rect">
             <a:avLst/>
@@ -5481,8 +5496,34 @@
               <a:buChar char="o"/>
             </a:pPr>
             <a:r>
+              <a:rPr lang="de-DE" sz="2800" dirty="0"/>
+              <a:t>Uitleg </a:t>
+            </a:r>
+            <a:r>
               <a:rPr lang="de-DE" sz="2800" dirty="0" smtClean="0"/>
-              <a:t>Wat we tot nu toe hebben</a:t>
+              <a:t>Amstelheage</a:t>
+            </a:r>
+            <a:endParaRPr lang="de-DE" sz="2800" dirty="0" smtClean="0"/>
+          </a:p>
+          <a:p>
+            <a:pPr marL="457200" indent="-457200">
+              <a:buFont typeface="Courier New" pitchFamily="49" charset="0"/>
+              <a:buChar char="o"/>
+            </a:pPr>
+            <a:endParaRPr lang="de-DE" sz="2800" dirty="0" smtClean="0"/>
+          </a:p>
+          <a:p>
+            <a:pPr marL="457200" indent="-457200">
+              <a:buFont typeface="Courier New" pitchFamily="49" charset="0"/>
+              <a:buChar char="o"/>
+            </a:pPr>
+            <a:r>
+              <a:rPr lang="de-DE" sz="2800" dirty="0" smtClean="0"/>
+              <a:t>Wat </a:t>
+            </a:r>
+            <a:r>
+              <a:rPr lang="de-DE" sz="2800" dirty="0" smtClean="0"/>
+              <a:t>we tot nu toe hebben</a:t>
             </a:r>
           </a:p>
           <a:p>
@@ -5596,14 +5637,14 @@
       </p:sp>
       <p:sp>
         <p:nvSpPr>
-          <p:cNvPr id="4" name="TextBox 3"/>
+          <p:cNvPr id="3" name="TextBox 2"/>
           <p:cNvSpPr txBox="1"/>
           <p:nvPr/>
         </p:nvSpPr>
         <p:spPr>
           <a:xfrm>
-            <a:off x="309430" y="1772816"/>
-            <a:ext cx="8550696" cy="400110"/>
+            <a:off x="971600" y="476672"/>
+            <a:ext cx="6948264" cy="646331"/>
           </a:xfrm>
           <a:prstGeom prst="rect">
             <a:avLst/>
@@ -5616,28 +5657,25 @@
           </a:bodyPr>
           <a:lstStyle/>
           <a:p>
-            <a:r>
-              <a:rPr lang="de-DE" sz="2000" dirty="0" smtClean="0"/>
-              <a:t>Extra Land representatie als „</a:t>
-            </a:r>
-            <a:r>
-              <a:rPr lang="de-DE" sz="2000" dirty="0" smtClean="0"/>
-              <a:t>grid“</a:t>
-            </a:r>
-            <a:endParaRPr lang="de-DE" sz="2000" dirty="0" smtClean="0"/>
-          </a:p>
-        </p:txBody>
-      </p:sp>
-      <p:sp>
-        <p:nvSpPr>
-          <p:cNvPr id="3" name="TextBox 2"/>
+            <a:pPr algn="ctr"/>
+            <a:r>
+              <a:rPr lang="de-DE" sz="3600" dirty="0" smtClean="0"/>
+              <a:t>...deze week nieuw in de aanbieding</a:t>
+            </a:r>
+            <a:endParaRPr lang="de-DE" sz="3600" dirty="0"/>
+          </a:p>
+        </p:txBody>
+      </p:sp>
+      <p:sp>
+        <p:nvSpPr>
+          <p:cNvPr id="5" name="TextBox 4"/>
           <p:cNvSpPr txBox="1"/>
           <p:nvPr/>
         </p:nvSpPr>
         <p:spPr>
           <a:xfrm>
-            <a:off x="971600" y="476672"/>
-            <a:ext cx="6948264" cy="646331"/>
+            <a:off x="251520" y="1739495"/>
+            <a:ext cx="5044210" cy="400110"/>
           </a:xfrm>
           <a:prstGeom prst="rect">
             <a:avLst/>
@@ -5650,18 +5688,29 @@
           </a:bodyPr>
           <a:lstStyle/>
           <a:p>
-            <a:pPr algn="ctr"/>
-            <a:r>
-              <a:rPr lang="de-DE" sz="3600" dirty="0" smtClean="0"/>
-              <a:t>...deze week nieuw in de aanbieding</a:t>
-            </a:r>
-            <a:endParaRPr lang="de-DE" sz="3600" dirty="0"/>
+            <a:r>
+              <a:rPr lang="de-DE" sz="2000" dirty="0" smtClean="0"/>
+              <a:t>Class House: vrijstand berekenen </a:t>
+            </a:r>
+            <a:r>
+              <a:rPr lang="de-DE" sz="2000" dirty="0" smtClean="0">
+                <a:solidFill>
+                  <a:srgbClr val="FF0000"/>
+                </a:solidFill>
+              </a:rPr>
+              <a:t>met rotatie</a:t>
+            </a:r>
+            <a:endParaRPr lang="de-DE" sz="2000" dirty="0">
+              <a:solidFill>
+                <a:srgbClr val="FF0000"/>
+              </a:solidFill>
+            </a:endParaRPr>
           </a:p>
         </p:txBody>
       </p:sp>
       <p:pic>
         <p:nvPicPr>
-          <p:cNvPr id="5" name="Picture 4"/>
+          <p:cNvPr id="7" name="Picture 6"/>
           <p:cNvPicPr>
             <a:picLocks noChangeAspect="1"/>
           </p:cNvPicPr>
@@ -5681,8 +5730,38 @@
         </p:blipFill>
         <p:spPr>
           <a:xfrm>
-            <a:off x="1490750" y="2492896"/>
-            <a:ext cx="6162500" cy="3596035"/>
+            <a:off x="611560" y="2564904"/>
+            <a:ext cx="3543300" cy="2946400"/>
+          </a:xfrm>
+          <a:prstGeom prst="rect">
+            <a:avLst/>
+          </a:prstGeom>
+        </p:spPr>
+      </p:pic>
+      <p:pic>
+        <p:nvPicPr>
+          <p:cNvPr id="8" name="Picture 7"/>
+          <p:cNvPicPr>
+            <a:picLocks noChangeAspect="1"/>
+          </p:cNvPicPr>
+          <p:nvPr/>
+        </p:nvPicPr>
+        <p:blipFill>
+          <a:blip r:embed="rId3">
+            <a:extLst>
+              <a:ext uri="{28A0092B-C50C-407E-A947-70E740481C1C}">
+                <a14:useLocalDpi xmlns:a14="http://schemas.microsoft.com/office/drawing/2010/main" val="0"/>
+              </a:ext>
+            </a:extLst>
+          </a:blip>
+          <a:stretch>
+            <a:fillRect/>
+          </a:stretch>
+        </p:blipFill>
+        <p:spPr>
+          <a:xfrm>
+            <a:off x="4932040" y="2564904"/>
+            <a:ext cx="3543300" cy="2946400"/>
           </a:xfrm>
           <a:prstGeom prst="rect">
             <a:avLst/>
@@ -5692,7 +5771,7 @@
     </p:spTree>
     <p:extLst>
       <p:ext uri="{BB962C8B-B14F-4D97-AF65-F5344CB8AC3E}">
-        <p14:creationId xmlns:p14="http://schemas.microsoft.com/office/powerpoint/2010/main" val="701969984"/>
+        <p14:creationId xmlns:p14="http://schemas.microsoft.com/office/powerpoint/2010/main" val="1309973989"/>
       </p:ext>
     </p:extLst>
   </p:cSld>
@@ -5803,15 +5882,7 @@
           <a:p>
             <a:r>
               <a:rPr lang="de-DE" sz="2000" dirty="0" smtClean="0"/>
-              <a:t>Verschillende </a:t>
-            </a:r>
-            <a:r>
-              <a:rPr lang="de-DE" sz="2000" dirty="0" smtClean="0"/>
-              <a:t>parameters (bv temperatuur) </a:t>
-            </a:r>
-            <a:r>
-              <a:rPr lang="de-DE" sz="2000" dirty="0" smtClean="0"/>
-              <a:t>testen en beste kiezen</a:t>
+              <a:t>Verschillende parameters (bv temperatuur) testen en beste kiezen</a:t>
             </a:r>
           </a:p>
           <a:p>

--- a/docs/Amstelhaege.pptx
+++ b/docs/Amstelhaege.pptx
@@ -5154,15 +5154,7 @@
           <a:p>
             <a:r>
               <a:rPr lang="de-DE" sz="2000" dirty="0" smtClean="0"/>
-              <a:t>Extra </a:t>
-            </a:r>
-            <a:r>
-              <a:rPr lang="de-DE" sz="2000" dirty="0" smtClean="0"/>
-              <a:t>land </a:t>
-            </a:r>
-            <a:r>
-              <a:rPr lang="de-DE" sz="2000" dirty="0" smtClean="0"/>
-              <a:t>representatie als „grid“</a:t>
+              <a:t>Extra land representatie als „grid“</a:t>
             </a:r>
           </a:p>
         </p:txBody>
@@ -5503,7 +5495,6 @@
               <a:rPr lang="de-DE" sz="2800" dirty="0" smtClean="0"/>
               <a:t>Amstelheage</a:t>
             </a:r>
-            <a:endParaRPr lang="de-DE" sz="2800" dirty="0" smtClean="0"/>
           </a:p>
           <a:p>
             <a:pPr marL="457200" indent="-457200">
@@ -5519,11 +5510,7 @@
             </a:pPr>
             <a:r>
               <a:rPr lang="de-DE" sz="2800" dirty="0" smtClean="0"/>
-              <a:t>Wat </a:t>
-            </a:r>
-            <a:r>
-              <a:rPr lang="de-DE" sz="2800" dirty="0" smtClean="0"/>
-              <a:t>we tot nu toe hebben</a:t>
+              <a:t>Wat we tot nu toe hebben</a:t>
             </a:r>
           </a:p>
           <a:p>
@@ -5710,7 +5697,7 @@
       </p:sp>
       <p:pic>
         <p:nvPicPr>
-          <p:cNvPr id="7" name="Picture 6"/>
+          <p:cNvPr id="4" name="Picture 3"/>
           <p:cNvPicPr>
             <a:picLocks noChangeAspect="1"/>
           </p:cNvPicPr>
@@ -5730,7 +5717,7 @@
         </p:blipFill>
         <p:spPr>
           <a:xfrm>
-            <a:off x="611560" y="2564904"/>
+            <a:off x="467544" y="2636912"/>
             <a:ext cx="3543300" cy="2946400"/>
           </a:xfrm>
           <a:prstGeom prst="rect">
@@ -5740,7 +5727,7 @@
       </p:pic>
       <p:pic>
         <p:nvPicPr>
-          <p:cNvPr id="8" name="Picture 7"/>
+          <p:cNvPr id="6" name="Picture 5"/>
           <p:cNvPicPr>
             <a:picLocks noChangeAspect="1"/>
           </p:cNvPicPr>
@@ -5760,7 +5747,7 @@
         </p:blipFill>
         <p:spPr>
           <a:xfrm>
-            <a:off x="4932040" y="2564904"/>
+            <a:off x="5076056" y="2636912"/>
             <a:ext cx="3543300" cy="2946400"/>
           </a:xfrm>
           <a:prstGeom prst="rect">
@@ -5849,7 +5836,7 @@
         <p:spPr>
           <a:xfrm>
             <a:off x="296652" y="2276872"/>
-            <a:ext cx="8550696" cy="2554545"/>
+            <a:ext cx="8550696" cy="3170099"/>
           </a:xfrm>
           <a:prstGeom prst="rect">
             <a:avLst/>
@@ -5882,8 +5869,22 @@
           <a:p>
             <a:r>
               <a:rPr lang="de-DE" sz="2000" dirty="0" smtClean="0"/>
-              <a:t>Verschillende parameters (bv temperatuur) testen en beste kiezen</a:t>
-            </a:r>
+              <a:t>Verschillende parameters (bv temperatuur) testen en beste </a:t>
+            </a:r>
+            <a:r>
+              <a:rPr lang="de-DE" sz="2000" dirty="0" smtClean="0"/>
+              <a:t>kiezen</a:t>
+            </a:r>
+          </a:p>
+          <a:p>
+            <a:endParaRPr lang="de-DE" sz="2000" dirty="0"/>
+          </a:p>
+          <a:p>
+            <a:r>
+              <a:rPr lang="de-DE" sz="2000" dirty="0" smtClean="0"/>
+              <a:t>Huizen overlap</a:t>
+            </a:r>
+            <a:endParaRPr lang="de-DE" sz="2000" dirty="0" smtClean="0"/>
           </a:p>
           <a:p>
             <a:endParaRPr lang="de-DE" sz="2000" dirty="0"/>

--- a/docs/Amstelhaege.pptx
+++ b/docs/Amstelhaege.pptx
@@ -309,7 +309,7 @@
           <a:p>
             <a:fld id="{4E6807CF-5B43-4660-AF6B-213987527D69}" type="datetimeFigureOut">
               <a:rPr lang="de-DE" smtClean="0"/>
-              <a:t>24.11.2014</a:t>
+              <a:t>26.11.2014</a:t>
             </a:fld>
             <a:endParaRPr lang="de-DE"/>
           </a:p>
@@ -479,7 +479,7 @@
           <a:p>
             <a:fld id="{4E6807CF-5B43-4660-AF6B-213987527D69}" type="datetimeFigureOut">
               <a:rPr lang="de-DE" smtClean="0"/>
-              <a:t>24.11.2014</a:t>
+              <a:t>26.11.2014</a:t>
             </a:fld>
             <a:endParaRPr lang="de-DE"/>
           </a:p>
@@ -659,7 +659,7 @@
           <a:p>
             <a:fld id="{4E6807CF-5B43-4660-AF6B-213987527D69}" type="datetimeFigureOut">
               <a:rPr lang="de-DE" smtClean="0"/>
-              <a:t>24.11.2014</a:t>
+              <a:t>26.11.2014</a:t>
             </a:fld>
             <a:endParaRPr lang="de-DE"/>
           </a:p>
@@ -829,7 +829,7 @@
           <a:p>
             <a:fld id="{4E6807CF-5B43-4660-AF6B-213987527D69}" type="datetimeFigureOut">
               <a:rPr lang="de-DE" smtClean="0"/>
-              <a:t>24.11.2014</a:t>
+              <a:t>26.11.2014</a:t>
             </a:fld>
             <a:endParaRPr lang="de-DE"/>
           </a:p>
@@ -1075,7 +1075,7 @@
           <a:p>
             <a:fld id="{4E6807CF-5B43-4660-AF6B-213987527D69}" type="datetimeFigureOut">
               <a:rPr lang="de-DE" smtClean="0"/>
-              <a:t>24.11.2014</a:t>
+              <a:t>26.11.2014</a:t>
             </a:fld>
             <a:endParaRPr lang="de-DE"/>
           </a:p>
@@ -1363,7 +1363,7 @@
           <a:p>
             <a:fld id="{4E6807CF-5B43-4660-AF6B-213987527D69}" type="datetimeFigureOut">
               <a:rPr lang="de-DE" smtClean="0"/>
-              <a:t>24.11.2014</a:t>
+              <a:t>26.11.2014</a:t>
             </a:fld>
             <a:endParaRPr lang="de-DE"/>
           </a:p>
@@ -1785,7 +1785,7 @@
           <a:p>
             <a:fld id="{4E6807CF-5B43-4660-AF6B-213987527D69}" type="datetimeFigureOut">
               <a:rPr lang="de-DE" smtClean="0"/>
-              <a:t>24.11.2014</a:t>
+              <a:t>26.11.2014</a:t>
             </a:fld>
             <a:endParaRPr lang="de-DE"/>
           </a:p>
@@ -1903,7 +1903,7 @@
           <a:p>
             <a:fld id="{4E6807CF-5B43-4660-AF6B-213987527D69}" type="datetimeFigureOut">
               <a:rPr lang="de-DE" smtClean="0"/>
-              <a:t>24.11.2014</a:t>
+              <a:t>26.11.2014</a:t>
             </a:fld>
             <a:endParaRPr lang="de-DE"/>
           </a:p>
@@ -1998,7 +1998,7 @@
           <a:p>
             <a:fld id="{4E6807CF-5B43-4660-AF6B-213987527D69}" type="datetimeFigureOut">
               <a:rPr lang="de-DE" smtClean="0"/>
-              <a:t>24.11.2014</a:t>
+              <a:t>26.11.2014</a:t>
             </a:fld>
             <a:endParaRPr lang="de-DE"/>
           </a:p>
@@ -2275,7 +2275,7 @@
           <a:p>
             <a:fld id="{4E6807CF-5B43-4660-AF6B-213987527D69}" type="datetimeFigureOut">
               <a:rPr lang="de-DE" smtClean="0"/>
-              <a:t>24.11.2014</a:t>
+              <a:t>26.11.2014</a:t>
             </a:fld>
             <a:endParaRPr lang="de-DE"/>
           </a:p>
@@ -2528,7 +2528,7 @@
           <a:p>
             <a:fld id="{4E6807CF-5B43-4660-AF6B-213987527D69}" type="datetimeFigureOut">
               <a:rPr lang="de-DE" smtClean="0"/>
-              <a:t>24.11.2014</a:t>
+              <a:t>26.11.2014</a:t>
             </a:fld>
             <a:endParaRPr lang="de-DE"/>
           </a:p>
@@ -2750,7 +2750,7 @@
           <a:p>
             <a:fld id="{4E6807CF-5B43-4660-AF6B-213987527D69}" type="datetimeFigureOut">
               <a:rPr lang="de-DE" smtClean="0"/>
-              <a:t>24.11.2014</a:t>
+              <a:t>26.11.2014</a:t>
             </a:fld>
             <a:endParaRPr lang="de-DE"/>
           </a:p>
@@ -4130,7 +4130,15 @@
           <a:p>
             <a:r>
               <a:rPr lang="de-DE" sz="2000" dirty="0" smtClean="0"/>
-              <a:t>Def simulation verdeeld de huizen op het land en verschuivt de locatie van de huizen naar „betere“ posities.</a:t>
+              <a:t>Def simulation verdeeld de huizen op het land en </a:t>
+            </a:r>
+            <a:r>
+              <a:rPr lang="de-DE" sz="2000" dirty="0" smtClean="0"/>
+              <a:t>verschuift </a:t>
+            </a:r>
+            <a:r>
+              <a:rPr lang="de-DE" sz="2000" dirty="0" smtClean="0"/>
+              <a:t>de locatie van de huizen naar „betere“ posities.</a:t>
             </a:r>
           </a:p>
         </p:txBody>
@@ -5869,11 +5877,7 @@
           <a:p>
             <a:r>
               <a:rPr lang="de-DE" sz="2000" dirty="0" smtClean="0"/>
-              <a:t>Verschillende parameters (bv temperatuur) testen en beste </a:t>
-            </a:r>
-            <a:r>
-              <a:rPr lang="de-DE" sz="2000" dirty="0" smtClean="0"/>
-              <a:t>kiezen</a:t>
+              <a:t>Verschillende parameters (bv temperatuur) testen en beste kiezen</a:t>
             </a:r>
           </a:p>
           <a:p>
@@ -5884,7 +5888,6 @@
               <a:rPr lang="de-DE" sz="2000" dirty="0" smtClean="0"/>
               <a:t>Huizen overlap</a:t>
             </a:r>
-            <a:endParaRPr lang="de-DE" sz="2000" dirty="0" smtClean="0"/>
           </a:p>
           <a:p>
             <a:endParaRPr lang="de-DE" sz="2000" dirty="0"/>
